--- a/lectures materials/mmp/files_pptx/MMP0 РСО Очна форма навчання.pptx
+++ b/lectures materials/mmp/files_pptx/MMP0 РСО Очна форма навчання.pptx
@@ -255,7 +255,7 @@
   </p:defaultTextStyle>
   <p:extLst>
     <p:ext uri="{EFAFB233-063F-42B5-8137-9DF3F51BA10A}">
-      <p15:sldGuideLst xmlns:ahyp="http://schemas.microsoft.com/office/drawing/2018/hyperlinkcolor" xmlns:p15="http://schemas.microsoft.com/office/powerpoint/2012/main" xmlns:p14="http://schemas.microsoft.com/office/powerpoint/2010/main" xmlns:com="http://schemas.openxmlformats.org/drawingml/2006/compatibility" xmlns:pvml="urn:schemas-microsoft-com:office:powerpoint" xmlns:v="urn:schemas-microsoft-com:vml" xmlns:o="urn:schemas-microsoft-com:office:office" xmlns:dgm="http://schemas.openxmlformats.org/drawingml/2006/diagram" xmlns:c="http://schemas.openxmlformats.org/drawingml/2006/chart" xmlns:mv="urn:schemas-microsoft-com:mac:vml" xmlns:mc="http://schemas.openxmlformats.org/markup-compatibility/2006" xmlns="">
+      <p15:sldGuideLst xmlns="" xmlns:mc="http://schemas.openxmlformats.org/markup-compatibility/2006" xmlns:mv="urn:schemas-microsoft-com:mac:vml" xmlns:c="http://schemas.openxmlformats.org/drawingml/2006/chart" xmlns:dgm="http://schemas.openxmlformats.org/drawingml/2006/diagram" xmlns:o="urn:schemas-microsoft-com:office:office" xmlns:v="urn:schemas-microsoft-com:vml" xmlns:pvml="urn:schemas-microsoft-com:office:powerpoint" xmlns:com="http://schemas.openxmlformats.org/drawingml/2006/compatibility" xmlns:p14="http://schemas.microsoft.com/office/powerpoint/2010/main" xmlns:p15="http://schemas.microsoft.com/office/powerpoint/2012/main" xmlns:ahyp="http://schemas.microsoft.com/office/drawing/2018/hyperlinkcolor">
         <p15:guide id="1" orient="horz" pos="1620">
           <p15:clr>
             <a:srgbClr val="A4A3A4"/>
@@ -8084,6 +8084,56 @@
           </a:p>
         </p:txBody>
       </p:sp>
+      <p:sp>
+        <p:nvSpPr>
+          <p:cNvPr id="21" name="Google Shape;75;p14"/>
+          <p:cNvSpPr/>
+          <p:nvPr/>
+        </p:nvSpPr>
+        <p:spPr>
+          <a:xfrm>
+            <a:off x="6660272" y="2415960"/>
+            <a:ext cx="1149528" cy="390725"/>
+          </a:xfrm>
+          <a:prstGeom prst="rect">
+            <a:avLst/>
+          </a:prstGeom>
+          <a:solidFill>
+            <a:schemeClr val="accent4"/>
+          </a:solidFill>
+          <a:ln w="9525" cap="flat" cmpd="sng">
+            <a:solidFill>
+              <a:schemeClr val="dk2"/>
+            </a:solidFill>
+            <a:prstDash val="solid"/>
+            <a:round/>
+            <a:headEnd type="none" w="sm" len="sm"/>
+            <a:tailEnd type="none" w="sm" len="sm"/>
+          </a:ln>
+        </p:spPr>
+        <p:txBody>
+          <a:bodyPr spcFirstLastPara="1" wrap="square" lIns="91425" tIns="91425" rIns="91425" bIns="91425" anchor="ctr" anchorCtr="0">
+            <a:noAutofit/>
+          </a:bodyPr>
+          <a:lstStyle/>
+          <a:p>
+            <a:pPr marL="0" lvl="0" indent="0" algn="l" rtl="0">
+              <a:spcBef>
+                <a:spcPts val="0"/>
+              </a:spcBef>
+              <a:spcAft>
+                <a:spcPts val="0"/>
+              </a:spcAft>
+              <a:buNone/>
+            </a:pPr>
+            <a:r>
+              <a:rPr lang="ru" sz="1200" dirty="0"/>
+              <a:t>+1 coursera сертифікат</a:t>
+            </a:r>
+            <a:endParaRPr sz="1200" dirty="0"/>
+          </a:p>
+        </p:txBody>
+      </p:sp>
     </p:spTree>
   </p:cSld>
   <p:clrMapOvr>
@@ -8139,11 +8189,7 @@
             </a:r>
             <a:r>
               <a:rPr lang="uk-UA" smtClean="0"/>
-              <a:t>проектів </a:t>
-            </a:r>
-            <a:r>
-              <a:rPr lang="uk-UA" smtClean="0"/>
-              <a:t>2025-2025</a:t>
+              <a:t>проектів 2025-2025</a:t>
             </a:r>
             <a:endParaRPr lang="ru-RU" dirty="0"/>
           </a:p>
@@ -8167,31 +8213,21 @@
           <a:lstStyle/>
           <a:p>
             <a:r>
-              <a:rPr lang="ru-RU" sz="1600" dirty="0" err="1" smtClean="0"/>
-              <a:t>Поки</a:t>
-            </a:r>
-            <a:r>
-              <a:rPr lang="ru-RU" sz="1600" dirty="0" smtClean="0"/>
-              <a:t> тем на </a:t>
-            </a:r>
-            <a:r>
-              <a:rPr lang="ru-RU" sz="1600" dirty="0" err="1" smtClean="0"/>
-              <a:t>цей</a:t>
-            </a:r>
-            <a:r>
-              <a:rPr lang="ru-RU" sz="1600" dirty="0" smtClean="0"/>
-              <a:t> р</a:t>
-            </a:r>
-            <a:r>
-              <a:rPr lang="uk-UA" sz="1600" dirty="0" err="1" smtClean="0"/>
-              <a:t>ік</a:t>
-            </a:r>
-            <a:r>
-              <a:rPr lang="uk-UA" sz="1600" dirty="0" smtClean="0"/>
-              <a:t> немає</a:t>
-            </a:r>
-          </a:p>
-          <a:p>
+              <a:rPr lang="en-US" sz="1600" dirty="0">
+                <a:hlinkClick r:id="rId2"/>
+              </a:rPr>
+              <a:t>https://</a:t>
+            </a:r>
+            <a:r>
+              <a:rPr lang="en-US" sz="1600" smtClean="0">
+                <a:hlinkClick r:id="rId2"/>
+              </a:rPr>
+              <a:t>www.kaggle.com/competitions/mitsui-commodity-prediction-challenge</a:t>
+            </a:r>
+            <a:r>
+              <a:rPr lang="en-US" sz="1600" smtClean="0"/>
+              <a:t> (top 9% == 100)</a:t>
+            </a:r>
             <a:endParaRPr lang="uk-UA" sz="1600" dirty="0" smtClean="0"/>
           </a:p>
         </p:txBody>
